--- a/static_files/laboratory/第九周：译码器电路原理与应用 (实验5).pptx
+++ b/static_files/laboratory/第九周：译码器电路原理与应用 (实验5).pptx
@@ -207,7 +207,7 @@
           <a:p>
             <a:fld id="{1C162D59-4EC1-4534-A012-653D6B34D8B8}" type="datetimeFigureOut">
               <a:rPr lang="zh-CN" altLang="en-US" smtClean="0"/>
-              <a:t>2025/04/19</a:t>
+              <a:t>2025/04/24</a:t>
             </a:fld>
             <a:endParaRPr lang="zh-CN" altLang="en-US"/>
           </a:p>
@@ -1118,7 +1118,7 @@
           <a:p>
             <a:fld id="{D2B6D7C0-F416-44CA-916C-773736C7848F}" type="datetimeFigureOut">
               <a:rPr lang="zh-CN" altLang="en-US" smtClean="0"/>
-              <a:t>2025/04/19</a:t>
+              <a:t>2025/04/24</a:t>
             </a:fld>
             <a:endParaRPr lang="zh-CN" altLang="en-US"/>
           </a:p>
@@ -1316,7 +1316,7 @@
           <a:p>
             <a:fld id="{D2B6D7C0-F416-44CA-916C-773736C7848F}" type="datetimeFigureOut">
               <a:rPr lang="zh-CN" altLang="en-US" smtClean="0"/>
-              <a:t>2025/04/19</a:t>
+              <a:t>2025/04/24</a:t>
             </a:fld>
             <a:endParaRPr lang="zh-CN" altLang="en-US"/>
           </a:p>
@@ -1524,7 +1524,7 @@
           <a:p>
             <a:fld id="{D2B6D7C0-F416-44CA-916C-773736C7848F}" type="datetimeFigureOut">
               <a:rPr lang="zh-CN" altLang="en-US" smtClean="0"/>
-              <a:t>2025/04/19</a:t>
+              <a:t>2025/04/24</a:t>
             </a:fld>
             <a:endParaRPr lang="zh-CN" altLang="en-US"/>
           </a:p>
@@ -7544,7 +7544,7 @@
           <a:p>
             <a:fld id="{D2B6D7C0-F416-44CA-916C-773736C7848F}" type="datetimeFigureOut">
               <a:rPr lang="zh-CN" altLang="en-US" smtClean="0"/>
-              <a:t>2025/04/19</a:t>
+              <a:t>2025/04/24</a:t>
             </a:fld>
             <a:endParaRPr lang="zh-CN" altLang="en-US"/>
           </a:p>
@@ -9346,7 +9346,7 @@
           <a:p>
             <a:fld id="{D2B6D7C0-F416-44CA-916C-773736C7848F}" type="datetimeFigureOut">
               <a:rPr lang="zh-CN" altLang="en-US" smtClean="0"/>
-              <a:t>2025/04/19</a:t>
+              <a:t>2025/04/24</a:t>
             </a:fld>
             <a:endParaRPr lang="zh-CN" altLang="en-US"/>
           </a:p>
@@ -9611,7 +9611,7 @@
           <a:p>
             <a:fld id="{D2B6D7C0-F416-44CA-916C-773736C7848F}" type="datetimeFigureOut">
               <a:rPr lang="zh-CN" altLang="en-US" smtClean="0"/>
-              <a:t>2025/04/19</a:t>
+              <a:t>2025/04/24</a:t>
             </a:fld>
             <a:endParaRPr lang="zh-CN" altLang="en-US"/>
           </a:p>
@@ -10023,7 +10023,7 @@
           <a:p>
             <a:fld id="{D2B6D7C0-F416-44CA-916C-773736C7848F}" type="datetimeFigureOut">
               <a:rPr lang="zh-CN" altLang="en-US" smtClean="0"/>
-              <a:t>2025/04/19</a:t>
+              <a:t>2025/04/24</a:t>
             </a:fld>
             <a:endParaRPr lang="zh-CN" altLang="en-US"/>
           </a:p>
@@ -10164,7 +10164,7 @@
           <a:p>
             <a:fld id="{D2B6D7C0-F416-44CA-916C-773736C7848F}" type="datetimeFigureOut">
               <a:rPr lang="zh-CN" altLang="en-US" smtClean="0"/>
-              <a:t>2025/04/19</a:t>
+              <a:t>2025/04/24</a:t>
             </a:fld>
             <a:endParaRPr lang="zh-CN" altLang="en-US"/>
           </a:p>
@@ -10277,7 +10277,7 @@
           <a:p>
             <a:fld id="{D2B6D7C0-F416-44CA-916C-773736C7848F}" type="datetimeFigureOut">
               <a:rPr lang="zh-CN" altLang="en-US" smtClean="0"/>
-              <a:t>2025/04/19</a:t>
+              <a:t>2025/04/24</a:t>
             </a:fld>
             <a:endParaRPr lang="zh-CN" altLang="en-US"/>
           </a:p>
@@ -10588,7 +10588,7 @@
           <a:p>
             <a:fld id="{D2B6D7C0-F416-44CA-916C-773736C7848F}" type="datetimeFigureOut">
               <a:rPr lang="zh-CN" altLang="en-US" smtClean="0"/>
-              <a:t>2025/04/19</a:t>
+              <a:t>2025/04/24</a:t>
             </a:fld>
             <a:endParaRPr lang="zh-CN" altLang="en-US"/>
           </a:p>
@@ -10876,7 +10876,7 @@
           <a:p>
             <a:fld id="{D2B6D7C0-F416-44CA-916C-773736C7848F}" type="datetimeFigureOut">
               <a:rPr lang="zh-CN" altLang="en-US" smtClean="0"/>
-              <a:t>2025/04/19</a:t>
+              <a:t>2025/04/24</a:t>
             </a:fld>
             <a:endParaRPr lang="zh-CN" altLang="en-US"/>
           </a:p>
@@ -11117,7 +11117,7 @@
           <a:p>
             <a:fld id="{D2B6D7C0-F416-44CA-916C-773736C7848F}" type="datetimeFigureOut">
               <a:rPr lang="zh-CN" altLang="en-US" smtClean="0"/>
-              <a:t>2025/04/19</a:t>
+              <a:t>2025/04/24</a:t>
             </a:fld>
             <a:endParaRPr lang="zh-CN" altLang="en-US"/>
           </a:p>
@@ -17342,7 +17342,7 @@
           <a:graphicData uri="http://schemas.openxmlformats.org/presentationml/2006/ole">
             <mc:AlternateContent xmlns:mc="http://schemas.openxmlformats.org/markup-compatibility/2006">
               <mc:Choice xmlns:v="urn:schemas-microsoft-com:vml" Requires="v">
-                <p:oleObj spid="_x0000_s1054" name="Equation" r:id="rId5" imgW="685800" imgH="2209680" progId="Equation.DSMT4">
+                <p:oleObj spid="_x0000_s1055" name="Equation" r:id="rId5" imgW="685800" imgH="2209680" progId="Equation.DSMT4">
                   <p:embed/>
                 </p:oleObj>
               </mc:Choice>
